--- a/3- Illustrations/Spam Classifier.pptx
+++ b/3- Illustrations/Spam Classifier.pptx
@@ -5,10 +5,10 @@
     <p:sldMasterId id="2147483648" r:id="rId4"/>
   </p:sldMasterIdLst>
   <p:notesMasterIdLst>
-    <p:notesMasterId r:id="rId28"/>
+    <p:notesMasterId r:id="rId30"/>
   </p:notesMasterIdLst>
   <p:handoutMasterIdLst>
-    <p:handoutMasterId r:id="rId29"/>
+    <p:handoutMasterId r:id="rId31"/>
   </p:handoutMasterIdLst>
   <p:sldIdLst>
     <p:sldId id="2448" r:id="rId5"/>
@@ -30,10 +30,12 @@
     <p:sldId id="2475" r:id="rId21"/>
     <p:sldId id="2476" r:id="rId22"/>
     <p:sldId id="2474" r:id="rId23"/>
-    <p:sldId id="2432" r:id="rId24"/>
-    <p:sldId id="2453" r:id="rId25"/>
-    <p:sldId id="2456" r:id="rId26"/>
-    <p:sldId id="2436" r:id="rId27"/>
+    <p:sldId id="2477" r:id="rId24"/>
+    <p:sldId id="2478" r:id="rId25"/>
+    <p:sldId id="2432" r:id="rId26"/>
+    <p:sldId id="2453" r:id="rId27"/>
+    <p:sldId id="2456" r:id="rId28"/>
+    <p:sldId id="2436" r:id="rId29"/>
   </p:sldIdLst>
   <p:sldSz cx="12192000" cy="6858000"/>
   <p:notesSz cx="6858000" cy="9144000"/>
@@ -5027,7 +5029,7 @@
             <a:pPr rtl="0"/>
             <a:fld id="{B3B3662A-0BC8-4946-95F7-A417EFF47D45}" type="datetime1">
               <a:rPr lang="fr-FR" smtClean="0"/>
-              <a:t>23/01/2024</a:t>
+              <a:t>24/01/2024</a:t>
             </a:fld>
             <a:endParaRPr lang="fr-FR"/>
           </a:p>
@@ -5209,7 +5211,7 @@
             <a:fld id="{4001DB9C-7D45-48E3-9809-D583EE85E0C9}" type="datetime1">
               <a:rPr lang="fr-FR" smtClean="0"/>
               <a:pPr/>
-              <a:t>23/01/2024</a:t>
+              <a:t>24/01/2024</a:t>
             </a:fld>
             <a:endParaRPr lang="fr-FR" dirty="0"/>
           </a:p>
@@ -6416,7 +6418,7 @@
     </p:spTree>
     <p:extLst>
       <p:ext uri="{BB962C8B-B14F-4D97-AF65-F5344CB8AC3E}">
-        <p14:creationId xmlns:p14="http://schemas.microsoft.com/office/powerpoint/2010/main" val="3726802643"/>
+        <p14:creationId xmlns:p14="http://schemas.microsoft.com/office/powerpoint/2010/main" val="1952720687"/>
       </p:ext>
     </p:extLst>
   </p:cSld>
@@ -6588,7 +6590,7 @@
     </p:spTree>
     <p:extLst>
       <p:ext uri="{BB962C8B-B14F-4D97-AF65-F5344CB8AC3E}">
-        <p14:creationId xmlns:p14="http://schemas.microsoft.com/office/powerpoint/2010/main" val="4079812957"/>
+        <p14:creationId xmlns:p14="http://schemas.microsoft.com/office/powerpoint/2010/main" val="839463253"/>
       </p:ext>
     </p:extLst>
   </p:cSld>
@@ -6674,7 +6676,7 @@
     </p:spTree>
     <p:extLst>
       <p:ext uri="{BB962C8B-B14F-4D97-AF65-F5344CB8AC3E}">
-        <p14:creationId xmlns:p14="http://schemas.microsoft.com/office/powerpoint/2010/main" val="1632949142"/>
+        <p14:creationId xmlns:p14="http://schemas.microsoft.com/office/powerpoint/2010/main" val="3726802643"/>
       </p:ext>
     </p:extLst>
   </p:cSld>
@@ -6752,6 +6754,178 @@
             <a:fld id="{228B34ED-4CDD-41C9-90F7-D768D5559A6F}" type="slidenum">
               <a:rPr lang="fr-FR" smtClean="0"/>
               <a:t>23</a:t>
+            </a:fld>
+            <a:endParaRPr lang="fr-FR"/>
+          </a:p>
+        </p:txBody>
+      </p:sp>
+    </p:spTree>
+    <p:extLst>
+      <p:ext uri="{BB962C8B-B14F-4D97-AF65-F5344CB8AC3E}">
+        <p14:creationId xmlns:p14="http://schemas.microsoft.com/office/powerpoint/2010/main" val="4079812957"/>
+      </p:ext>
+    </p:extLst>
+  </p:cSld>
+  <p:clrMapOvr>
+    <a:masterClrMapping/>
+  </p:clrMapOvr>
+</p:notes>
+</file>
+
+<file path=ppt/notesSlides/notesSlide23.xml><?xml version="1.0" encoding="utf-8"?>
+<p:notes xmlns:a="http://schemas.openxmlformats.org/drawingml/2006/main" xmlns:r="http://schemas.openxmlformats.org/officeDocument/2006/relationships" xmlns:p="http://schemas.openxmlformats.org/presentationml/2006/main">
+  <p:cSld>
+    <p:spTree>
+      <p:nvGrpSpPr>
+        <p:cNvPr id="1" name=""/>
+        <p:cNvGrpSpPr/>
+        <p:nvPr/>
+      </p:nvGrpSpPr>
+      <p:grpSpPr>
+        <a:xfrm>
+          <a:off x="0" y="0"/>
+          <a:ext cx="0" cy="0"/>
+          <a:chOff x="0" y="0"/>
+          <a:chExt cx="0" cy="0"/>
+        </a:xfrm>
+      </p:grpSpPr>
+      <p:sp>
+        <p:nvSpPr>
+          <p:cNvPr id="2" name="Espace réservé de l’image des diapositives 1"/>
+          <p:cNvSpPr>
+            <a:spLocks noGrp="1" noRot="1" noChangeAspect="1"/>
+          </p:cNvSpPr>
+          <p:nvPr>
+            <p:ph type="sldImg"/>
+          </p:nvPr>
+        </p:nvSpPr>
+        <p:spPr/>
+      </p:sp>
+      <p:sp>
+        <p:nvSpPr>
+          <p:cNvPr id="3" name="Espace réservé des commentaires 2"/>
+          <p:cNvSpPr>
+            <a:spLocks noGrp="1"/>
+          </p:cNvSpPr>
+          <p:nvPr>
+            <p:ph type="body" idx="1"/>
+          </p:nvPr>
+        </p:nvSpPr>
+        <p:spPr/>
+        <p:txBody>
+          <a:bodyPr rtlCol="0"/>
+          <a:lstStyle/>
+          <a:p>
+            <a:pPr rtl="0"/>
+            <a:endParaRPr lang="fr-FR"/>
+          </a:p>
+        </p:txBody>
+      </p:sp>
+      <p:sp>
+        <p:nvSpPr>
+          <p:cNvPr id="4" name="Espace réservé du numéro de diapositive 3"/>
+          <p:cNvSpPr>
+            <a:spLocks noGrp="1"/>
+          </p:cNvSpPr>
+          <p:nvPr>
+            <p:ph type="sldNum" sz="quarter" idx="5"/>
+          </p:nvPr>
+        </p:nvSpPr>
+        <p:spPr/>
+        <p:txBody>
+          <a:bodyPr rtlCol="0"/>
+          <a:lstStyle/>
+          <a:p>
+            <a:pPr rtl="0"/>
+            <a:fld id="{228B34ED-4CDD-41C9-90F7-D768D5559A6F}" type="slidenum">
+              <a:rPr lang="fr-FR" smtClean="0"/>
+              <a:t>24</a:t>
+            </a:fld>
+            <a:endParaRPr lang="fr-FR"/>
+          </a:p>
+        </p:txBody>
+      </p:sp>
+    </p:spTree>
+    <p:extLst>
+      <p:ext uri="{BB962C8B-B14F-4D97-AF65-F5344CB8AC3E}">
+        <p14:creationId xmlns:p14="http://schemas.microsoft.com/office/powerpoint/2010/main" val="1632949142"/>
+      </p:ext>
+    </p:extLst>
+  </p:cSld>
+  <p:clrMapOvr>
+    <a:masterClrMapping/>
+  </p:clrMapOvr>
+</p:notes>
+</file>
+
+<file path=ppt/notesSlides/notesSlide24.xml><?xml version="1.0" encoding="utf-8"?>
+<p:notes xmlns:a="http://schemas.openxmlformats.org/drawingml/2006/main" xmlns:r="http://schemas.openxmlformats.org/officeDocument/2006/relationships" xmlns:p="http://schemas.openxmlformats.org/presentationml/2006/main">
+  <p:cSld>
+    <p:spTree>
+      <p:nvGrpSpPr>
+        <p:cNvPr id="1" name=""/>
+        <p:cNvGrpSpPr/>
+        <p:nvPr/>
+      </p:nvGrpSpPr>
+      <p:grpSpPr>
+        <a:xfrm>
+          <a:off x="0" y="0"/>
+          <a:ext cx="0" cy="0"/>
+          <a:chOff x="0" y="0"/>
+          <a:chExt cx="0" cy="0"/>
+        </a:xfrm>
+      </p:grpSpPr>
+      <p:sp>
+        <p:nvSpPr>
+          <p:cNvPr id="2" name="Espace réservé de l’image des diapositives 1"/>
+          <p:cNvSpPr>
+            <a:spLocks noGrp="1" noRot="1" noChangeAspect="1"/>
+          </p:cNvSpPr>
+          <p:nvPr>
+            <p:ph type="sldImg"/>
+          </p:nvPr>
+        </p:nvSpPr>
+        <p:spPr/>
+      </p:sp>
+      <p:sp>
+        <p:nvSpPr>
+          <p:cNvPr id="3" name="Espace réservé des commentaires 2"/>
+          <p:cNvSpPr>
+            <a:spLocks noGrp="1"/>
+          </p:cNvSpPr>
+          <p:nvPr>
+            <p:ph type="body" idx="1"/>
+          </p:nvPr>
+        </p:nvSpPr>
+        <p:spPr/>
+        <p:txBody>
+          <a:bodyPr rtlCol="0"/>
+          <a:lstStyle/>
+          <a:p>
+            <a:pPr rtl="0"/>
+            <a:endParaRPr lang="fr-FR"/>
+          </a:p>
+        </p:txBody>
+      </p:sp>
+      <p:sp>
+        <p:nvSpPr>
+          <p:cNvPr id="4" name="Espace réservé du numéro de diapositive 3"/>
+          <p:cNvSpPr>
+            <a:spLocks noGrp="1"/>
+          </p:cNvSpPr>
+          <p:nvPr>
+            <p:ph type="sldNum" sz="quarter" idx="5"/>
+          </p:nvPr>
+        </p:nvSpPr>
+        <p:spPr/>
+        <p:txBody>
+          <a:bodyPr rtlCol="0"/>
+          <a:lstStyle/>
+          <a:p>
+            <a:pPr rtl="0"/>
+            <a:fld id="{228B34ED-4CDD-41C9-90F7-D768D5559A6F}" type="slidenum">
+              <a:rPr lang="fr-FR" smtClean="0"/>
+              <a:t>25</a:t>
             </a:fld>
             <a:endParaRPr lang="fr-FR"/>
           </a:p>
@@ -15109,10 +15283,10 @@
       </p:grpSpPr>
       <p:sp>
         <p:nvSpPr>
-          <p:cNvPr id="3" name="Espace réservé du numéro de diapositive 2">
+          <p:cNvPr id="3" name="Titre 2">
             <a:extLst>
               <a:ext uri="{FF2B5EF4-FFF2-40B4-BE49-F238E27FC236}">
-                <a16:creationId xmlns:a16="http://schemas.microsoft.com/office/drawing/2014/main" id="{FBDE7135-9153-4AEB-AC1F-4B951B7A76F2}"/>
+                <a16:creationId xmlns:a16="http://schemas.microsoft.com/office/drawing/2014/main" id="{1D24B42B-925B-494C-A986-BD85E8117E1E}"/>
               </a:ext>
             </a:extLst>
           </p:cNvPr>
@@ -15120,7 +15294,67 @@
             <a:spLocks noGrp="1"/>
           </p:cNvSpPr>
           <p:nvPr>
-            <p:ph type="sldNum" sz="quarter" idx="11"/>
+            <p:ph type="title"/>
+          </p:nvPr>
+        </p:nvSpPr>
+        <p:spPr>
+          <a:xfrm>
+            <a:off x="5978106" y="2068733"/>
+            <a:ext cx="5472861" cy="1661297"/>
+          </a:xfrm>
+        </p:spPr>
+        <p:txBody>
+          <a:bodyPr rtlCol="0">
+            <a:normAutofit fontScale="90000"/>
+          </a:bodyPr>
+          <a:lstStyle/>
+          <a:p>
+            <a:pPr rtl="0"/>
+            <a:r>
+              <a:rPr lang="fr-FR" dirty="0" err="1"/>
+              <a:t>améliorationS</a:t>
+            </a:r>
+            <a:endParaRPr lang="fr-FR" dirty="0"/>
+          </a:p>
+        </p:txBody>
+      </p:sp>
+      <p:pic>
+        <p:nvPicPr>
+          <p:cNvPr id="8" name="Espace réservé d’image 7">
+            <a:extLst>
+              <a:ext uri="{FF2B5EF4-FFF2-40B4-BE49-F238E27FC236}">
+                <a16:creationId xmlns:a16="http://schemas.microsoft.com/office/drawing/2014/main" id="{A596BF19-CC58-4709-B5D6-3FC378FDC7BA}"/>
+              </a:ext>
+            </a:extLst>
+          </p:cNvPr>
+          <p:cNvPicPr>
+            <a:picLocks noGrp="1" noChangeAspect="1"/>
+          </p:cNvPicPr>
+          <p:nvPr>
+            <p:ph type="pic" sz="quarter" idx="13"/>
+          </p:nvPr>
+        </p:nvPicPr>
+        <p:blipFill>
+          <a:blip r:embed="rId3"/>
+          <a:srcRect t="12476" b="12476"/>
+          <a:stretch/>
+        </p:blipFill>
+        <p:spPr/>
+      </p:pic>
+      <p:sp>
+        <p:nvSpPr>
+          <p:cNvPr id="6" name="Espace réservé du numéro de diapositive 5">
+            <a:extLst>
+              <a:ext uri="{FF2B5EF4-FFF2-40B4-BE49-F238E27FC236}">
+                <a16:creationId xmlns:a16="http://schemas.microsoft.com/office/drawing/2014/main" id="{FC6A5C12-E784-444E-B868-DE2AE85742BB}"/>
+              </a:ext>
+            </a:extLst>
+          </p:cNvPr>
+          <p:cNvSpPr>
+            <a:spLocks noGrp="1"/>
+          </p:cNvSpPr>
+          <p:nvPr>
+            <p:ph type="sldNum" sz="quarter" idx="12"/>
           </p:nvPr>
         </p:nvSpPr>
         <p:spPr/>
@@ -15133,46 +15367,16 @@
               <a:rPr lang="fr-FR" smtClean="0"/>
               <a:t>20</a:t>
             </a:fld>
-            <a:endParaRPr lang="fr-FR" dirty="0"/>
+            <a:endParaRPr lang="fr-FR"/>
           </a:p>
         </p:txBody>
       </p:sp>
       <p:pic>
         <p:nvPicPr>
-          <p:cNvPr id="10" name="Image 9">
+          <p:cNvPr id="2" name="Image 1">
             <a:extLst>
               <a:ext uri="{FF2B5EF4-FFF2-40B4-BE49-F238E27FC236}">
-                <a16:creationId xmlns:a16="http://schemas.microsoft.com/office/drawing/2014/main" id="{B7DE9843-D84B-7AE8-BB73-B92ED18FB3D9}"/>
-              </a:ext>
-            </a:extLst>
-          </p:cNvPr>
-          <p:cNvPicPr>
-            <a:picLocks noChangeAspect="1"/>
-          </p:cNvPicPr>
-          <p:nvPr/>
-        </p:nvPicPr>
-        <p:blipFill>
-          <a:blip r:embed="rId3"/>
-          <a:stretch>
-            <a:fillRect/>
-          </a:stretch>
-        </p:blipFill>
-        <p:spPr>
-          <a:xfrm>
-            <a:off x="9698290" y="305040"/>
-            <a:ext cx="2294927" cy="1679036"/>
-          </a:xfrm>
-          <a:prstGeom prst="rect">
-            <a:avLst/>
-          </a:prstGeom>
-        </p:spPr>
-      </p:pic>
-      <p:pic>
-        <p:nvPicPr>
-          <p:cNvPr id="12" name="Image 11">
-            <a:extLst>
-              <a:ext uri="{FF2B5EF4-FFF2-40B4-BE49-F238E27FC236}">
-                <a16:creationId xmlns:a16="http://schemas.microsoft.com/office/drawing/2014/main" id="{4CAE3B32-9637-3738-6C2C-E31871BDDBA3}"/>
+                <a16:creationId xmlns:a16="http://schemas.microsoft.com/office/drawing/2014/main" id="{F7FE5CE4-48EF-2193-63BD-D3E6418CFC1C}"/>
               </a:ext>
             </a:extLst>
           </p:cNvPr>
@@ -15189,14 +15393,178 @@
         </p:blipFill>
         <p:spPr>
           <a:xfrm>
-            <a:off x="9778541" y="3985403"/>
-            <a:ext cx="1992702" cy="1992702"/>
+            <a:off x="3274222" y="4632386"/>
+            <a:ext cx="2522727" cy="2522727"/>
+          </a:xfrm>
+          <a:prstGeom prst="ellipse">
+            <a:avLst/>
+          </a:prstGeom>
+        </p:spPr>
+      </p:pic>
+    </p:spTree>
+    <p:extLst>
+      <p:ext uri="{BB962C8B-B14F-4D97-AF65-F5344CB8AC3E}">
+        <p14:creationId xmlns:p14="http://schemas.microsoft.com/office/powerpoint/2010/main" val="392007447"/>
+      </p:ext>
+    </p:extLst>
+  </p:cSld>
+  <p:clrMapOvr>
+    <a:masterClrMapping/>
+  </p:clrMapOvr>
+</p:sld>
+</file>
+
+<file path=ppt/slides/slide21.xml><?xml version="1.0" encoding="utf-8"?>
+<p:sld xmlns:a="http://schemas.openxmlformats.org/drawingml/2006/main" xmlns:r="http://schemas.openxmlformats.org/officeDocument/2006/relationships" xmlns:p="http://schemas.openxmlformats.org/presentationml/2006/main">
+  <p:cSld>
+    <p:bg>
+      <p:bgPr>
+        <a:blipFill dpi="0" rotWithShape="1">
+          <a:blip r:embed="rId3">
+            <a:lum/>
+          </a:blip>
+          <a:srcRect/>
+          <a:stretch>
+            <a:fillRect t="-15000" b="-15000"/>
+          </a:stretch>
+        </a:blipFill>
+        <a:effectLst/>
+      </p:bgPr>
+    </p:bg>
+    <p:spTree>
+      <p:nvGrpSpPr>
+        <p:cNvPr id="1" name=""/>
+        <p:cNvGrpSpPr/>
+        <p:nvPr/>
+      </p:nvGrpSpPr>
+      <p:grpSpPr>
+        <a:xfrm>
+          <a:off x="0" y="0"/>
+          <a:ext cx="0" cy="0"/>
+          <a:chOff x="0" y="0"/>
+          <a:chExt cx="0" cy="0"/>
+        </a:xfrm>
+      </p:grpSpPr>
+      <p:sp>
+        <p:nvSpPr>
+          <p:cNvPr id="4" name="Espace réservé du numéro de diapositive 3">
+            <a:extLst>
+              <a:ext uri="{FF2B5EF4-FFF2-40B4-BE49-F238E27FC236}">
+                <a16:creationId xmlns:a16="http://schemas.microsoft.com/office/drawing/2014/main" id="{A4BADA18-8F0E-4249-A144-6CB8259BA65B}"/>
+              </a:ext>
+            </a:extLst>
+          </p:cNvPr>
+          <p:cNvSpPr>
+            <a:spLocks noGrp="1"/>
+          </p:cNvSpPr>
+          <p:nvPr>
+            <p:ph type="sldNum" sz="quarter" idx="4"/>
+          </p:nvPr>
+        </p:nvSpPr>
+        <p:spPr/>
+        <p:txBody>
+          <a:bodyPr rtlCol="0"/>
+          <a:lstStyle/>
+          <a:p>
+            <a:pPr rtl="0"/>
+            <a:fld id="{8C2E478F-E849-4A8C-AF1F-CBCC78A7CBFA}" type="slidenum">
+              <a:rPr lang="fr-FR" smtClean="0"/>
+              <a:t>21</a:t>
+            </a:fld>
+            <a:endParaRPr lang="fr-FR"/>
+          </a:p>
+        </p:txBody>
+      </p:sp>
+      <p:pic>
+        <p:nvPicPr>
+          <p:cNvPr id="2" name="Image 1">
+            <a:extLst>
+              <a:ext uri="{FF2B5EF4-FFF2-40B4-BE49-F238E27FC236}">
+                <a16:creationId xmlns:a16="http://schemas.microsoft.com/office/drawing/2014/main" id="{11C28AF0-AD18-B6F1-D15D-2E83BC5CAE74}"/>
+              </a:ext>
+            </a:extLst>
+          </p:cNvPr>
+          <p:cNvPicPr>
+            <a:picLocks noChangeAspect="1"/>
+          </p:cNvPicPr>
+          <p:nvPr/>
+        </p:nvPicPr>
+        <p:blipFill>
+          <a:blip r:embed="rId4"/>
+          <a:stretch>
+            <a:fillRect/>
+          </a:stretch>
+        </p:blipFill>
+        <p:spPr>
+          <a:xfrm>
+            <a:off x="101249" y="267505"/>
+            <a:ext cx="2506899" cy="1535416"/>
           </a:xfrm>
           <a:prstGeom prst="rect">
             <a:avLst/>
           </a:prstGeom>
         </p:spPr>
       </p:pic>
+    </p:spTree>
+    <p:extLst>
+      <p:ext uri="{BB962C8B-B14F-4D97-AF65-F5344CB8AC3E}">
+        <p14:creationId xmlns:p14="http://schemas.microsoft.com/office/powerpoint/2010/main" val="1216929972"/>
+      </p:ext>
+    </p:extLst>
+  </p:cSld>
+  <p:clrMapOvr>
+    <a:masterClrMapping/>
+  </p:clrMapOvr>
+</p:sld>
+</file>
+
+<file path=ppt/slides/slide22.xml><?xml version="1.0" encoding="utf-8"?>
+<p:sld xmlns:a="http://schemas.openxmlformats.org/drawingml/2006/main" xmlns:r="http://schemas.openxmlformats.org/officeDocument/2006/relationships" xmlns:p="http://schemas.openxmlformats.org/presentationml/2006/main">
+  <p:cSld>
+    <p:spTree>
+      <p:nvGrpSpPr>
+        <p:cNvPr id="1" name=""/>
+        <p:cNvGrpSpPr/>
+        <p:nvPr/>
+      </p:nvGrpSpPr>
+      <p:grpSpPr>
+        <a:xfrm>
+          <a:off x="0" y="0"/>
+          <a:ext cx="0" cy="0"/>
+          <a:chOff x="0" y="0"/>
+          <a:chExt cx="0" cy="0"/>
+        </a:xfrm>
+      </p:grpSpPr>
+      <p:sp>
+        <p:nvSpPr>
+          <p:cNvPr id="3" name="Espace réservé du numéro de diapositive 2">
+            <a:extLst>
+              <a:ext uri="{FF2B5EF4-FFF2-40B4-BE49-F238E27FC236}">
+                <a16:creationId xmlns:a16="http://schemas.microsoft.com/office/drawing/2014/main" id="{FBDE7135-9153-4AEB-AC1F-4B951B7A76F2}"/>
+              </a:ext>
+            </a:extLst>
+          </p:cNvPr>
+          <p:cNvSpPr>
+            <a:spLocks noGrp="1"/>
+          </p:cNvSpPr>
+          <p:nvPr>
+            <p:ph type="sldNum" sz="quarter" idx="11"/>
+          </p:nvPr>
+        </p:nvSpPr>
+        <p:spPr/>
+        <p:txBody>
+          <a:bodyPr rtlCol="0"/>
+          <a:lstStyle/>
+          <a:p>
+            <a:pPr rtl="0"/>
+            <a:fld id="{8C2E478F-E849-4A8C-AF1F-CBCC78A7CBFA}" type="slidenum">
+              <a:rPr lang="fr-FR" smtClean="0"/>
+              <a:t>22</a:t>
+            </a:fld>
+            <a:endParaRPr lang="fr-FR" dirty="0"/>
+          </a:p>
+        </p:txBody>
+      </p:sp>
     </p:spTree>
     <p:extLst>
       <p:ext uri="{BB962C8B-B14F-4D97-AF65-F5344CB8AC3E}">
@@ -15210,7 +15578,7 @@
 </p:sld>
 </file>
 
-<file path=ppt/slides/slide21.xml><?xml version="1.0" encoding="utf-8"?>
+<file path=ppt/slides/slide23.xml><?xml version="1.0" encoding="utf-8"?>
 <p:sld xmlns:a="http://schemas.openxmlformats.org/drawingml/2006/main" xmlns:r="http://schemas.openxmlformats.org/officeDocument/2006/relationships" xmlns:p="http://schemas.openxmlformats.org/presentationml/2006/main">
   <p:cSld>
     <p:spTree>
@@ -17195,7 +17563,7 @@
             <a:pPr rtl="0"/>
             <a:fld id="{8C2E478F-E849-4A8C-AF1F-CBCC78A7CBFA}" type="slidenum">
               <a:rPr lang="fr-FR" smtClean="0"/>
-              <a:t>21</a:t>
+              <a:t>23</a:t>
             </a:fld>
             <a:endParaRPr lang="fr-FR"/>
           </a:p>
@@ -17214,7 +17582,7 @@
 </p:sld>
 </file>
 
-<file path=ppt/slides/slide22.xml><?xml version="1.0" encoding="utf-8"?>
+<file path=ppt/slides/slide24.xml><?xml version="1.0" encoding="utf-8"?>
 <p:sld xmlns:a="http://schemas.openxmlformats.org/drawingml/2006/main" xmlns:r="http://schemas.openxmlformats.org/officeDocument/2006/relationships" xmlns:p="http://schemas.openxmlformats.org/presentationml/2006/main">
   <p:cSld>
     <p:spTree>
@@ -17732,7 +18100,7 @@
             <a:pPr rtl="0"/>
             <a:fld id="{8C2E478F-E849-4A8C-AF1F-CBCC78A7CBFA}" type="slidenum">
               <a:rPr lang="fr-FR" smtClean="0"/>
-              <a:t>22</a:t>
+              <a:t>24</a:t>
             </a:fld>
             <a:endParaRPr lang="fr-FR"/>
           </a:p>
@@ -17751,7 +18119,7 @@
 </p:sld>
 </file>
 
-<file path=ppt/slides/slide23.xml><?xml version="1.0" encoding="utf-8"?>
+<file path=ppt/slides/slide25.xml><?xml version="1.0" encoding="utf-8"?>
 <p:sld xmlns:a="http://schemas.openxmlformats.org/drawingml/2006/main" xmlns:r="http://schemas.openxmlformats.org/officeDocument/2006/relationships" xmlns:p="http://schemas.openxmlformats.org/presentationml/2006/main">
   <p:cSld>
     <p:bg>
@@ -22177,21 +22545,21 @@
 </file>
 
 <file path=customXml/item2.xml><?xml version="1.0" encoding="utf-8"?>
+<?mso-contentType ?>
+<FormTemplates xmlns="http://schemas.microsoft.com/sharepoint/v3/contenttype/forms">
+  <Display>DocumentLibraryForm</Display>
+  <Edit>DocumentLibraryForm</Edit>
+  <New>DocumentLibraryForm</New>
+</FormTemplates>
+</file>
+
+<file path=customXml/item3.xml><?xml version="1.0" encoding="utf-8"?>
 <p:properties xmlns:p="http://schemas.microsoft.com/office/2006/metadata/properties" xmlns:xsi="http://www.w3.org/2001/XMLSchema-instance" xmlns:pc="http://schemas.microsoft.com/office/infopath/2007/PartnerControls">
   <documentManagement>
     <Status xmlns="71af3243-3dd4-4a8d-8c0d-dd76da1f02a5">Not started</Status>
     <MediaServiceKeyPoints xmlns="71af3243-3dd4-4a8d-8c0d-dd76da1f02a5" xsi:nil="true"/>
   </documentManagement>
 </p:properties>
-</file>
-
-<file path=customXml/item3.xml><?xml version="1.0" encoding="utf-8"?>
-<?mso-contentType ?>
-<FormTemplates xmlns="http://schemas.microsoft.com/sharepoint/v3/contenttype/forms">
-  <Display>DocumentLibraryForm</Display>
-  <Edit>DocumentLibraryForm</Edit>
-  <New>DocumentLibraryForm</New>
-</FormTemplates>
 </file>
 
 <file path=customXml/itemProps1.xml><?xml version="1.0" encoding="utf-8"?>
@@ -22214,6 +22582,14 @@
 </file>
 
 <file path=customXml/itemProps2.xml><?xml version="1.0" encoding="utf-8"?>
+<ds:datastoreItem xmlns:ds="http://schemas.openxmlformats.org/officeDocument/2006/customXml" ds:itemID="{1B7E2D32-4FDD-4266-880C-17595B801432}">
+  <ds:schemaRefs>
+    <ds:schemaRef ds:uri="http://schemas.microsoft.com/sharepoint/v3/contenttype/forms"/>
+  </ds:schemaRefs>
+</ds:datastoreItem>
+</file>
+
+<file path=customXml/itemProps3.xml><?xml version="1.0" encoding="utf-8"?>
 <ds:datastoreItem xmlns:ds="http://schemas.openxmlformats.org/officeDocument/2006/customXml" ds:itemID="{E3D9F223-918A-45AF-9B53-56AB9E5E2182}">
   <ds:schemaRefs>
     <ds:schemaRef ds:uri="http://schemas.microsoft.com/office/2006/metadata/properties"/>
@@ -22221,12 +22597,4 @@
     <ds:schemaRef ds:uri="71af3243-3dd4-4a8d-8c0d-dd76da1f02a5"/>
   </ds:schemaRefs>
 </ds:datastoreItem>
-</file>
-
-<file path=customXml/itemProps3.xml><?xml version="1.0" encoding="utf-8"?>
-<ds:datastoreItem xmlns:ds="http://schemas.openxmlformats.org/officeDocument/2006/customXml" ds:itemID="{1B7E2D32-4FDD-4266-880C-17595B801432}">
-  <ds:schemaRefs>
-    <ds:schemaRef ds:uri="http://schemas.microsoft.com/sharepoint/v3/contenttype/forms"/>
-  </ds:schemaRefs>
-</ds:datastoreItem>
 </file>